--- a/images/model_architecture.pptx
+++ b/images/model_architecture.pptx
@@ -9,6 +9,8 @@
     <p:sldId id="257" r:id="rId3"/>
     <p:sldId id="258" r:id="rId4"/>
     <p:sldId id="259" r:id="rId5"/>
+    <p:sldId id="260" r:id="rId6"/>
+    <p:sldId id="262" r:id="rId7"/>
   </p:sldIdLst>
   <p:sldSz cx="12192000" cy="6858000"/>
   <p:notesSz cx="6858000" cy="9144000"/>
@@ -107,6 +109,11 @@
       </a:defRPr>
     </a:lvl9pPr>
   </p:defaultTextStyle>
+  <p:extLst>
+    <p:ext uri="{EFAFB233-063F-42B5-8137-9DF3F51BA10A}">
+      <p15:sldGuideLst xmlns:p15="http://schemas.microsoft.com/office/powerpoint/2012/main"/>
+    </p:ext>
+  </p:extLst>
 </p:presentation>
 </file>
 
@@ -259,7 +266,7 @@
           <a:p>
             <a:fld id="{C458CF93-ED50-46E9-8CBB-73D3A2246EBD}" type="datetimeFigureOut">
               <a:rPr lang="en-SG" smtClean="0"/>
-              <a:t>13/6/2019</a:t>
+              <a:t>14/6/2019</a:t>
             </a:fld>
             <a:endParaRPr lang="en-SG"/>
           </a:p>
@@ -459,7 +466,7 @@
           <a:p>
             <a:fld id="{C458CF93-ED50-46E9-8CBB-73D3A2246EBD}" type="datetimeFigureOut">
               <a:rPr lang="en-SG" smtClean="0"/>
-              <a:t>13/6/2019</a:t>
+              <a:t>14/6/2019</a:t>
             </a:fld>
             <a:endParaRPr lang="en-SG"/>
           </a:p>
@@ -669,7 +676,7 @@
           <a:p>
             <a:fld id="{C458CF93-ED50-46E9-8CBB-73D3A2246EBD}" type="datetimeFigureOut">
               <a:rPr lang="en-SG" smtClean="0"/>
-              <a:t>13/6/2019</a:t>
+              <a:t>14/6/2019</a:t>
             </a:fld>
             <a:endParaRPr lang="en-SG"/>
           </a:p>
@@ -869,7 +876,7 @@
           <a:p>
             <a:fld id="{C458CF93-ED50-46E9-8CBB-73D3A2246EBD}" type="datetimeFigureOut">
               <a:rPr lang="en-SG" smtClean="0"/>
-              <a:t>13/6/2019</a:t>
+              <a:t>14/6/2019</a:t>
             </a:fld>
             <a:endParaRPr lang="en-SG"/>
           </a:p>
@@ -1145,7 +1152,7 @@
           <a:p>
             <a:fld id="{C458CF93-ED50-46E9-8CBB-73D3A2246EBD}" type="datetimeFigureOut">
               <a:rPr lang="en-SG" smtClean="0"/>
-              <a:t>13/6/2019</a:t>
+              <a:t>14/6/2019</a:t>
             </a:fld>
             <a:endParaRPr lang="en-SG"/>
           </a:p>
@@ -1413,7 +1420,7 @@
           <a:p>
             <a:fld id="{C458CF93-ED50-46E9-8CBB-73D3A2246EBD}" type="datetimeFigureOut">
               <a:rPr lang="en-SG" smtClean="0"/>
-              <a:t>13/6/2019</a:t>
+              <a:t>14/6/2019</a:t>
             </a:fld>
             <a:endParaRPr lang="en-SG"/>
           </a:p>
@@ -1828,7 +1835,7 @@
           <a:p>
             <a:fld id="{C458CF93-ED50-46E9-8CBB-73D3A2246EBD}" type="datetimeFigureOut">
               <a:rPr lang="en-SG" smtClean="0"/>
-              <a:t>13/6/2019</a:t>
+              <a:t>14/6/2019</a:t>
             </a:fld>
             <a:endParaRPr lang="en-SG"/>
           </a:p>
@@ -1970,7 +1977,7 @@
           <a:p>
             <a:fld id="{C458CF93-ED50-46E9-8CBB-73D3A2246EBD}" type="datetimeFigureOut">
               <a:rPr lang="en-SG" smtClean="0"/>
-              <a:t>13/6/2019</a:t>
+              <a:t>14/6/2019</a:t>
             </a:fld>
             <a:endParaRPr lang="en-SG"/>
           </a:p>
@@ -2083,7 +2090,7 @@
           <a:p>
             <a:fld id="{C458CF93-ED50-46E9-8CBB-73D3A2246EBD}" type="datetimeFigureOut">
               <a:rPr lang="en-SG" smtClean="0"/>
-              <a:t>13/6/2019</a:t>
+              <a:t>14/6/2019</a:t>
             </a:fld>
             <a:endParaRPr lang="en-SG"/>
           </a:p>
@@ -2396,7 +2403,7 @@
           <a:p>
             <a:fld id="{C458CF93-ED50-46E9-8CBB-73D3A2246EBD}" type="datetimeFigureOut">
               <a:rPr lang="en-SG" smtClean="0"/>
-              <a:t>13/6/2019</a:t>
+              <a:t>14/6/2019</a:t>
             </a:fld>
             <a:endParaRPr lang="en-SG"/>
           </a:p>
@@ -2685,7 +2692,7 @@
           <a:p>
             <a:fld id="{C458CF93-ED50-46E9-8CBB-73D3A2246EBD}" type="datetimeFigureOut">
               <a:rPr lang="en-SG" smtClean="0"/>
-              <a:t>13/6/2019</a:t>
+              <a:t>14/6/2019</a:t>
             </a:fld>
             <a:endParaRPr lang="en-SG"/>
           </a:p>
@@ -2928,7 +2935,7 @@
           <a:p>
             <a:fld id="{C458CF93-ED50-46E9-8CBB-73D3A2246EBD}" type="datetimeFigureOut">
               <a:rPr lang="en-SG" smtClean="0"/>
-              <a:t>13/6/2019</a:t>
+              <a:t>14/6/2019</a:t>
             </a:fld>
             <a:endParaRPr lang="en-SG"/>
           </a:p>
@@ -8691,6 +8698,1584 @@
 </p:sld>
 </file>
 
+<file path=ppt/slides/slide5.xml><?xml version="1.0" encoding="utf-8"?>
+<p:sld xmlns:a="http://schemas.openxmlformats.org/drawingml/2006/main" xmlns:r="http://schemas.openxmlformats.org/officeDocument/2006/relationships" xmlns:p="http://schemas.openxmlformats.org/presentationml/2006/main">
+  <p:cSld>
+    <p:spTree>
+      <p:nvGrpSpPr>
+        <p:cNvPr id="1" name=""/>
+        <p:cNvGrpSpPr/>
+        <p:nvPr/>
+      </p:nvGrpSpPr>
+      <p:grpSpPr>
+        <a:xfrm>
+          <a:off x="0" y="0"/>
+          <a:ext cx="0" cy="0"/>
+          <a:chOff x="0" y="0"/>
+          <a:chExt cx="0" cy="0"/>
+        </a:xfrm>
+      </p:grpSpPr>
+      <p:sp>
+        <p:nvSpPr>
+          <p:cNvPr id="4" name="Rectangle 3">
+            <a:extLst>
+              <a:ext uri="{FF2B5EF4-FFF2-40B4-BE49-F238E27FC236}">
+                <a16:creationId xmlns:a16="http://schemas.microsoft.com/office/drawing/2014/main" id="{A7F717F4-95A0-4826-A737-D52B1A7876EF}"/>
+              </a:ext>
+            </a:extLst>
+          </p:cNvPr>
+          <p:cNvSpPr/>
+          <p:nvPr/>
+        </p:nvSpPr>
+        <p:spPr>
+          <a:xfrm>
+            <a:off x="2209350" y="2161662"/>
+            <a:ext cx="1036320" cy="670560"/>
+          </a:xfrm>
+          <a:prstGeom prst="rect">
+            <a:avLst/>
+          </a:prstGeom>
+          <a:solidFill>
+            <a:schemeClr val="accent1">
+              <a:alpha val="71000"/>
+            </a:schemeClr>
+          </a:solidFill>
+        </p:spPr>
+        <p:style>
+          <a:lnRef idx="2">
+            <a:schemeClr val="accent1">
+              <a:shade val="50000"/>
+            </a:schemeClr>
+          </a:lnRef>
+          <a:fillRef idx="1">
+            <a:schemeClr val="accent1"/>
+          </a:fillRef>
+          <a:effectRef idx="0">
+            <a:schemeClr val="accent1"/>
+          </a:effectRef>
+          <a:fontRef idx="minor">
+            <a:schemeClr val="lt1"/>
+          </a:fontRef>
+        </p:style>
+        <p:txBody>
+          <a:bodyPr rtlCol="0" anchor="ctr"/>
+          <a:lstStyle/>
+          <a:p>
+            <a:pPr algn="ctr"/>
+            <a:r>
+              <a:rPr lang="en-US" sz="2000" dirty="0">
+                <a:solidFill>
+                  <a:sysClr val="windowText" lastClr="000000"/>
+                </a:solidFill>
+              </a:rPr>
+              <a:t>hn6</a:t>
+            </a:r>
+            <a:endParaRPr lang="en-SG" sz="2000" dirty="0">
+              <a:solidFill>
+                <a:sysClr val="windowText" lastClr="000000"/>
+              </a:solidFill>
+            </a:endParaRPr>
+          </a:p>
+        </p:txBody>
+      </p:sp>
+      <p:sp>
+        <p:nvSpPr>
+          <p:cNvPr id="5" name="TextBox 4">
+            <a:extLst>
+              <a:ext uri="{FF2B5EF4-FFF2-40B4-BE49-F238E27FC236}">
+                <a16:creationId xmlns:a16="http://schemas.microsoft.com/office/drawing/2014/main" id="{2F5C54B9-3691-4F45-AC3F-89A7B25510D2}"/>
+              </a:ext>
+            </a:extLst>
+          </p:cNvPr>
+          <p:cNvSpPr txBox="1"/>
+          <p:nvPr/>
+        </p:nvSpPr>
+        <p:spPr>
+          <a:xfrm>
+            <a:off x="1474877" y="2296887"/>
+            <a:ext cx="734473" cy="400110"/>
+          </a:xfrm>
+          <a:prstGeom prst="rect">
+            <a:avLst/>
+          </a:prstGeom>
+          <a:noFill/>
+        </p:spPr>
+        <p:txBody>
+          <a:bodyPr wrap="square" rtlCol="0">
+            <a:spAutoFit/>
+          </a:bodyPr>
+          <a:lstStyle/>
+          <a:p>
+            <a:r>
+              <a:rPr lang="en-US" sz="2000" dirty="0"/>
+              <a:t>T + x</a:t>
+            </a:r>
+            <a:endParaRPr lang="en-SG" sz="2000" dirty="0"/>
+          </a:p>
+        </p:txBody>
+      </p:sp>
+      <p:cxnSp>
+        <p:nvCxnSpPr>
+          <p:cNvPr id="6" name="Straight Arrow Connector 5">
+            <a:extLst>
+              <a:ext uri="{FF2B5EF4-FFF2-40B4-BE49-F238E27FC236}">
+                <a16:creationId xmlns:a16="http://schemas.microsoft.com/office/drawing/2014/main" id="{1744F31A-1397-4D97-81F4-168C2B45C1E0}"/>
+              </a:ext>
+            </a:extLst>
+          </p:cNvPr>
+          <p:cNvCxnSpPr>
+            <a:cxnSpLocks/>
+            <a:stCxn id="4" idx="3"/>
+            <a:endCxn id="9" idx="1"/>
+          </p:cNvCxnSpPr>
+          <p:nvPr/>
+        </p:nvCxnSpPr>
+        <p:spPr>
+          <a:xfrm>
+            <a:off x="3245670" y="2496942"/>
+            <a:ext cx="1295699" cy="0"/>
+          </a:xfrm>
+          <a:prstGeom prst="straightConnector1">
+            <a:avLst/>
+          </a:prstGeom>
+          <a:ln>
+            <a:solidFill>
+              <a:schemeClr val="tx1"/>
+            </a:solidFill>
+            <a:tailEnd type="triangle"/>
+          </a:ln>
+        </p:spPr>
+        <p:style>
+          <a:lnRef idx="1">
+            <a:schemeClr val="accent1"/>
+          </a:lnRef>
+          <a:fillRef idx="0">
+            <a:schemeClr val="accent1"/>
+          </a:fillRef>
+          <a:effectRef idx="0">
+            <a:schemeClr val="accent1"/>
+          </a:effectRef>
+          <a:fontRef idx="minor">
+            <a:schemeClr val="tx1"/>
+          </a:fontRef>
+        </p:style>
+      </p:cxnSp>
+      <p:sp>
+        <p:nvSpPr>
+          <p:cNvPr id="9" name="Rectangle 8">
+            <a:extLst>
+              <a:ext uri="{FF2B5EF4-FFF2-40B4-BE49-F238E27FC236}">
+                <a16:creationId xmlns:a16="http://schemas.microsoft.com/office/drawing/2014/main" id="{B323ED1D-E8E7-4316-BCD9-B8AA57A9B723}"/>
+              </a:ext>
+            </a:extLst>
+          </p:cNvPr>
+          <p:cNvSpPr/>
+          <p:nvPr/>
+        </p:nvSpPr>
+        <p:spPr>
+          <a:xfrm>
+            <a:off x="4541369" y="2161662"/>
+            <a:ext cx="1036320" cy="670560"/>
+          </a:xfrm>
+          <a:prstGeom prst="rect">
+            <a:avLst/>
+          </a:prstGeom>
+          <a:solidFill>
+            <a:schemeClr val="accent1">
+              <a:alpha val="71000"/>
+            </a:schemeClr>
+          </a:solidFill>
+        </p:spPr>
+        <p:style>
+          <a:lnRef idx="2">
+            <a:schemeClr val="accent1">
+              <a:shade val="50000"/>
+            </a:schemeClr>
+          </a:lnRef>
+          <a:fillRef idx="1">
+            <a:schemeClr val="accent1"/>
+          </a:fillRef>
+          <a:effectRef idx="0">
+            <a:schemeClr val="accent1"/>
+          </a:effectRef>
+          <a:fontRef idx="minor">
+            <a:schemeClr val="lt1"/>
+          </a:fontRef>
+        </p:style>
+        <p:txBody>
+          <a:bodyPr rtlCol="0" anchor="ctr"/>
+          <a:lstStyle/>
+          <a:p>
+            <a:pPr algn="ctr"/>
+            <a:r>
+              <a:rPr lang="en-US" sz="2000" dirty="0">
+                <a:solidFill>
+                  <a:sysClr val="windowText" lastClr="000000"/>
+                </a:solidFill>
+              </a:rPr>
+              <a:t>x</a:t>
+            </a:r>
+            <a:endParaRPr lang="en-SG" sz="2000" dirty="0">
+              <a:solidFill>
+                <a:sysClr val="windowText" lastClr="000000"/>
+              </a:solidFill>
+            </a:endParaRPr>
+          </a:p>
+        </p:txBody>
+      </p:sp>
+      <p:sp>
+        <p:nvSpPr>
+          <p:cNvPr id="12" name="Rectangle 11">
+            <a:extLst>
+              <a:ext uri="{FF2B5EF4-FFF2-40B4-BE49-F238E27FC236}">
+                <a16:creationId xmlns:a16="http://schemas.microsoft.com/office/drawing/2014/main" id="{AD6305C1-90A7-42F2-BE99-4F064DB46633}"/>
+              </a:ext>
+            </a:extLst>
+          </p:cNvPr>
+          <p:cNvSpPr/>
+          <p:nvPr/>
+        </p:nvSpPr>
+        <p:spPr>
+          <a:xfrm>
+            <a:off x="6803923" y="2161662"/>
+            <a:ext cx="1036320" cy="670560"/>
+          </a:xfrm>
+          <a:prstGeom prst="rect">
+            <a:avLst/>
+          </a:prstGeom>
+          <a:solidFill>
+            <a:schemeClr val="accent1">
+              <a:alpha val="71000"/>
+            </a:schemeClr>
+          </a:solidFill>
+        </p:spPr>
+        <p:style>
+          <a:lnRef idx="2">
+            <a:schemeClr val="accent1">
+              <a:shade val="50000"/>
+            </a:schemeClr>
+          </a:lnRef>
+          <a:fillRef idx="1">
+            <a:schemeClr val="accent1"/>
+          </a:fillRef>
+          <a:effectRef idx="0">
+            <a:schemeClr val="accent1"/>
+          </a:effectRef>
+          <a:fontRef idx="minor">
+            <a:schemeClr val="lt1"/>
+          </a:fontRef>
+        </p:style>
+        <p:txBody>
+          <a:bodyPr rtlCol="0" anchor="ctr"/>
+          <a:lstStyle/>
+          <a:p>
+            <a:pPr algn="ctr"/>
+            <a:r>
+              <a:rPr lang="en-US" sz="2000" dirty="0">
+                <a:solidFill>
+                  <a:sysClr val="windowText" lastClr="000000"/>
+                </a:solidFill>
+              </a:rPr>
+              <a:t>x</a:t>
+            </a:r>
+            <a:endParaRPr lang="en-SG" sz="2000" dirty="0">
+              <a:solidFill>
+                <a:sysClr val="windowText" lastClr="000000"/>
+              </a:solidFill>
+            </a:endParaRPr>
+          </a:p>
+        </p:txBody>
+      </p:sp>
+      <p:cxnSp>
+        <p:nvCxnSpPr>
+          <p:cNvPr id="13" name="Straight Arrow Connector 12">
+            <a:extLst>
+              <a:ext uri="{FF2B5EF4-FFF2-40B4-BE49-F238E27FC236}">
+                <a16:creationId xmlns:a16="http://schemas.microsoft.com/office/drawing/2014/main" id="{DB669F05-49BA-4011-96E6-FCECA0F732B9}"/>
+              </a:ext>
+            </a:extLst>
+          </p:cNvPr>
+          <p:cNvCxnSpPr>
+            <a:cxnSpLocks/>
+            <a:stCxn id="9" idx="3"/>
+            <a:endCxn id="12" idx="1"/>
+          </p:cNvCxnSpPr>
+          <p:nvPr/>
+        </p:nvCxnSpPr>
+        <p:spPr>
+          <a:xfrm>
+            <a:off x="5577689" y="2496942"/>
+            <a:ext cx="1226234" cy="0"/>
+          </a:xfrm>
+          <a:prstGeom prst="straightConnector1">
+            <a:avLst/>
+          </a:prstGeom>
+          <a:ln>
+            <a:solidFill>
+              <a:schemeClr val="tx1"/>
+            </a:solidFill>
+            <a:tailEnd type="triangle"/>
+          </a:ln>
+        </p:spPr>
+        <p:style>
+          <a:lnRef idx="1">
+            <a:schemeClr val="accent1"/>
+          </a:lnRef>
+          <a:fillRef idx="0">
+            <a:schemeClr val="accent1"/>
+          </a:fillRef>
+          <a:effectRef idx="0">
+            <a:schemeClr val="accent1"/>
+          </a:effectRef>
+          <a:fontRef idx="minor">
+            <a:schemeClr val="tx1"/>
+          </a:fontRef>
+        </p:style>
+      </p:cxnSp>
+      <p:sp>
+        <p:nvSpPr>
+          <p:cNvPr id="17" name="TextBox 16">
+            <a:extLst>
+              <a:ext uri="{FF2B5EF4-FFF2-40B4-BE49-F238E27FC236}">
+                <a16:creationId xmlns:a16="http://schemas.microsoft.com/office/drawing/2014/main" id="{6E4ED506-13AA-4B30-9059-5F11C7D7908C}"/>
+              </a:ext>
+            </a:extLst>
+          </p:cNvPr>
+          <p:cNvSpPr txBox="1"/>
+          <p:nvPr/>
+        </p:nvSpPr>
+        <p:spPr>
+          <a:xfrm>
+            <a:off x="3196168" y="2696997"/>
+            <a:ext cx="1275736" cy="923330"/>
+          </a:xfrm>
+          <a:prstGeom prst="rect">
+            <a:avLst/>
+          </a:prstGeom>
+          <a:noFill/>
+        </p:spPr>
+        <p:txBody>
+          <a:bodyPr wrap="square" rtlCol="0">
+            <a:spAutoFit/>
+          </a:bodyPr>
+          <a:lstStyle/>
+          <a:p>
+            <a:pPr algn="ctr"/>
+            <a:r>
+              <a:rPr lang="en-US" dirty="0"/>
+              <a:t>3 x 3</a:t>
+            </a:r>
+          </a:p>
+          <a:p>
+            <a:pPr algn="ctr"/>
+            <a:r>
+              <a:rPr lang="en-US" dirty="0" err="1"/>
+              <a:t>Coordconv</a:t>
+            </a:r>
+            <a:r>
+              <a:rPr lang="en-US" dirty="0"/>
+              <a:t> NALU</a:t>
+            </a:r>
+            <a:endParaRPr lang="en-SG" dirty="0"/>
+          </a:p>
+        </p:txBody>
+      </p:sp>
+      <p:sp>
+        <p:nvSpPr>
+          <p:cNvPr id="18" name="TextBox 17">
+            <a:extLst>
+              <a:ext uri="{FF2B5EF4-FFF2-40B4-BE49-F238E27FC236}">
+                <a16:creationId xmlns:a16="http://schemas.microsoft.com/office/drawing/2014/main" id="{A4004C44-03A7-4F2C-A994-4F235E32F67C}"/>
+              </a:ext>
+            </a:extLst>
+          </p:cNvPr>
+          <p:cNvSpPr txBox="1"/>
+          <p:nvPr/>
+        </p:nvSpPr>
+        <p:spPr>
+          <a:xfrm>
+            <a:off x="5647154" y="2774107"/>
+            <a:ext cx="1036321" cy="646331"/>
+          </a:xfrm>
+          <a:prstGeom prst="rect">
+            <a:avLst/>
+          </a:prstGeom>
+          <a:noFill/>
+        </p:spPr>
+        <p:txBody>
+          <a:bodyPr wrap="square" rtlCol="0">
+            <a:spAutoFit/>
+          </a:bodyPr>
+          <a:lstStyle/>
+          <a:p>
+            <a:pPr algn="ctr"/>
+            <a:r>
+              <a:rPr lang="en-US" dirty="0"/>
+              <a:t>1 x1 Conv</a:t>
+            </a:r>
+            <a:endParaRPr lang="en-SG" dirty="0"/>
+          </a:p>
+        </p:txBody>
+      </p:sp>
+      <p:sp>
+        <p:nvSpPr>
+          <p:cNvPr id="19" name="TextBox 18">
+            <a:extLst>
+              <a:ext uri="{FF2B5EF4-FFF2-40B4-BE49-F238E27FC236}">
+                <a16:creationId xmlns:a16="http://schemas.microsoft.com/office/drawing/2014/main" id="{D021F0EE-E1F9-43BF-8CB4-5F6CBBBCE874}"/>
+              </a:ext>
+            </a:extLst>
+          </p:cNvPr>
+          <p:cNvSpPr txBox="1"/>
+          <p:nvPr/>
+        </p:nvSpPr>
+        <p:spPr>
+          <a:xfrm>
+            <a:off x="2209350" y="3832496"/>
+            <a:ext cx="8466782" cy="646331"/>
+          </a:xfrm>
+          <a:prstGeom prst="rect">
+            <a:avLst/>
+          </a:prstGeom>
+          <a:noFill/>
+        </p:spPr>
+        <p:txBody>
+          <a:bodyPr wrap="square" rtlCol="0">
+            <a:spAutoFit/>
+          </a:bodyPr>
+          <a:lstStyle/>
+          <a:p>
+            <a:r>
+              <a:rPr lang="en-US" dirty="0"/>
+              <a:t>For testing, </a:t>
+            </a:r>
+            <a:r>
+              <a:rPr lang="en-US" dirty="0" err="1"/>
+              <a:t>relu</a:t>
+            </a:r>
+            <a:r>
+              <a:rPr lang="en-US" dirty="0"/>
+              <a:t> activation is added at the last layer. This is because the value of the demand is between [0,1]. This will reduce the MSE even further</a:t>
+            </a:r>
+            <a:endParaRPr lang="en-SG" dirty="0"/>
+          </a:p>
+        </p:txBody>
+      </p:sp>
+      <p:sp>
+        <p:nvSpPr>
+          <p:cNvPr id="11" name="Rectangle 10">
+            <a:extLst>
+              <a:ext uri="{FF2B5EF4-FFF2-40B4-BE49-F238E27FC236}">
+                <a16:creationId xmlns:a16="http://schemas.microsoft.com/office/drawing/2014/main" id="{BAED068A-8616-45D8-9E7A-9549A2A3B0CE}"/>
+              </a:ext>
+            </a:extLst>
+          </p:cNvPr>
+          <p:cNvSpPr/>
+          <p:nvPr/>
+        </p:nvSpPr>
+        <p:spPr>
+          <a:xfrm>
+            <a:off x="9061217" y="2161662"/>
+            <a:ext cx="1036320" cy="670560"/>
+          </a:xfrm>
+          <a:prstGeom prst="rect">
+            <a:avLst/>
+          </a:prstGeom>
+          <a:solidFill>
+            <a:schemeClr val="accent1">
+              <a:alpha val="71000"/>
+            </a:schemeClr>
+          </a:solidFill>
+        </p:spPr>
+        <p:style>
+          <a:lnRef idx="2">
+            <a:schemeClr val="accent1">
+              <a:shade val="50000"/>
+            </a:schemeClr>
+          </a:lnRef>
+          <a:fillRef idx="1">
+            <a:schemeClr val="accent1"/>
+          </a:fillRef>
+          <a:effectRef idx="0">
+            <a:schemeClr val="accent1"/>
+          </a:effectRef>
+          <a:fontRef idx="minor">
+            <a:schemeClr val="lt1"/>
+          </a:fontRef>
+        </p:style>
+        <p:txBody>
+          <a:bodyPr rtlCol="0" anchor="ctr"/>
+          <a:lstStyle/>
+          <a:p>
+            <a:pPr algn="ctr"/>
+            <a:r>
+              <a:rPr lang="en-US" sz="2000" dirty="0">
+                <a:solidFill>
+                  <a:sysClr val="windowText" lastClr="000000"/>
+                </a:solidFill>
+              </a:rPr>
+              <a:t>x</a:t>
+            </a:r>
+            <a:endParaRPr lang="en-SG" sz="2000" dirty="0">
+              <a:solidFill>
+                <a:sysClr val="windowText" lastClr="000000"/>
+              </a:solidFill>
+            </a:endParaRPr>
+          </a:p>
+        </p:txBody>
+      </p:sp>
+      <p:cxnSp>
+        <p:nvCxnSpPr>
+          <p:cNvPr id="14" name="Straight Arrow Connector 13">
+            <a:extLst>
+              <a:ext uri="{FF2B5EF4-FFF2-40B4-BE49-F238E27FC236}">
+                <a16:creationId xmlns:a16="http://schemas.microsoft.com/office/drawing/2014/main" id="{8D7BA0B1-71C2-4358-B3E2-0BB591BE81BE}"/>
+              </a:ext>
+            </a:extLst>
+          </p:cNvPr>
+          <p:cNvCxnSpPr>
+            <a:cxnSpLocks/>
+            <a:stCxn id="12" idx="3"/>
+            <a:endCxn id="11" idx="1"/>
+          </p:cNvCxnSpPr>
+          <p:nvPr/>
+        </p:nvCxnSpPr>
+        <p:spPr>
+          <a:xfrm>
+            <a:off x="7840243" y="2496942"/>
+            <a:ext cx="1220974" cy="0"/>
+          </a:xfrm>
+          <a:prstGeom prst="straightConnector1">
+            <a:avLst/>
+          </a:prstGeom>
+          <a:ln>
+            <a:solidFill>
+              <a:schemeClr val="tx1"/>
+            </a:solidFill>
+            <a:tailEnd type="triangle"/>
+          </a:ln>
+        </p:spPr>
+        <p:style>
+          <a:lnRef idx="1">
+            <a:schemeClr val="accent1"/>
+          </a:lnRef>
+          <a:fillRef idx="0">
+            <a:schemeClr val="accent1"/>
+          </a:fillRef>
+          <a:effectRef idx="0">
+            <a:schemeClr val="accent1"/>
+          </a:effectRef>
+          <a:fontRef idx="minor">
+            <a:schemeClr val="tx1"/>
+          </a:fontRef>
+        </p:style>
+      </p:cxnSp>
+      <p:sp>
+        <p:nvSpPr>
+          <p:cNvPr id="15" name="TextBox 14">
+            <a:extLst>
+              <a:ext uri="{FF2B5EF4-FFF2-40B4-BE49-F238E27FC236}">
+                <a16:creationId xmlns:a16="http://schemas.microsoft.com/office/drawing/2014/main" id="{0C4F96AB-FE0B-4145-AE0B-32C276152DB7}"/>
+              </a:ext>
+            </a:extLst>
+          </p:cNvPr>
+          <p:cNvSpPr txBox="1"/>
+          <p:nvPr/>
+        </p:nvSpPr>
+        <p:spPr>
+          <a:xfrm>
+            <a:off x="7932569" y="2805232"/>
+            <a:ext cx="1036321" cy="369332"/>
+          </a:xfrm>
+          <a:prstGeom prst="rect">
+            <a:avLst/>
+          </a:prstGeom>
+          <a:noFill/>
+        </p:spPr>
+        <p:txBody>
+          <a:bodyPr wrap="square" rtlCol="0">
+            <a:spAutoFit/>
+          </a:bodyPr>
+          <a:lstStyle/>
+          <a:p>
+            <a:pPr algn="ctr"/>
+            <a:r>
+              <a:rPr lang="en-US" dirty="0" err="1"/>
+              <a:t>Relu</a:t>
+            </a:r>
+            <a:endParaRPr lang="en-SG" dirty="0"/>
+          </a:p>
+        </p:txBody>
+      </p:sp>
+    </p:spTree>
+    <p:extLst>
+      <p:ext uri="{BB962C8B-B14F-4D97-AF65-F5344CB8AC3E}">
+        <p14:creationId xmlns:p14="http://schemas.microsoft.com/office/powerpoint/2010/main" val="311226909"/>
+      </p:ext>
+    </p:extLst>
+  </p:cSld>
+  <p:clrMapOvr>
+    <a:masterClrMapping/>
+  </p:clrMapOvr>
+</p:sld>
+</file>
+
+<file path=ppt/slides/slide6.xml><?xml version="1.0" encoding="utf-8"?>
+<p:sld xmlns:a="http://schemas.openxmlformats.org/drawingml/2006/main" xmlns:r="http://schemas.openxmlformats.org/officeDocument/2006/relationships" xmlns:p="http://schemas.openxmlformats.org/presentationml/2006/main">
+  <p:cSld>
+    <p:spTree>
+      <p:nvGrpSpPr>
+        <p:cNvPr id="1" name=""/>
+        <p:cNvGrpSpPr/>
+        <p:nvPr/>
+      </p:nvGrpSpPr>
+      <p:grpSpPr>
+        <a:xfrm>
+          <a:off x="0" y="0"/>
+          <a:ext cx="0" cy="0"/>
+          <a:chOff x="0" y="0"/>
+          <a:chExt cx="0" cy="0"/>
+        </a:xfrm>
+      </p:grpSpPr>
+      <p:sp>
+        <p:nvSpPr>
+          <p:cNvPr id="4" name="Rectangle 3">
+            <a:extLst>
+              <a:ext uri="{FF2B5EF4-FFF2-40B4-BE49-F238E27FC236}">
+                <a16:creationId xmlns:a16="http://schemas.microsoft.com/office/drawing/2014/main" id="{A7F717F4-95A0-4826-A737-D52B1A7876EF}"/>
+              </a:ext>
+            </a:extLst>
+          </p:cNvPr>
+          <p:cNvSpPr/>
+          <p:nvPr/>
+        </p:nvSpPr>
+        <p:spPr>
+          <a:xfrm>
+            <a:off x="1330122" y="2319924"/>
+            <a:ext cx="1036320" cy="670560"/>
+          </a:xfrm>
+          <a:prstGeom prst="rect">
+            <a:avLst/>
+          </a:prstGeom>
+          <a:solidFill>
+            <a:schemeClr val="accent1">
+              <a:alpha val="71000"/>
+            </a:schemeClr>
+          </a:solidFill>
+        </p:spPr>
+        <p:style>
+          <a:lnRef idx="2">
+            <a:schemeClr val="accent1">
+              <a:shade val="50000"/>
+            </a:schemeClr>
+          </a:lnRef>
+          <a:fillRef idx="1">
+            <a:schemeClr val="accent1"/>
+          </a:fillRef>
+          <a:effectRef idx="0">
+            <a:schemeClr val="accent1"/>
+          </a:effectRef>
+          <a:fontRef idx="minor">
+            <a:schemeClr val="lt1"/>
+          </a:fontRef>
+        </p:style>
+        <p:txBody>
+          <a:bodyPr rtlCol="0" anchor="ctr"/>
+          <a:lstStyle/>
+          <a:p>
+            <a:pPr algn="ctr"/>
+            <a:r>
+              <a:rPr lang="en-US" sz="2000" dirty="0">
+                <a:solidFill>
+                  <a:sysClr val="windowText" lastClr="000000"/>
+                </a:solidFill>
+              </a:rPr>
+              <a:t>x</a:t>
+            </a:r>
+            <a:endParaRPr lang="en-SG" sz="2000" dirty="0">
+              <a:solidFill>
+                <a:sysClr val="windowText" lastClr="000000"/>
+              </a:solidFill>
+            </a:endParaRPr>
+          </a:p>
+        </p:txBody>
+      </p:sp>
+      <p:sp>
+        <p:nvSpPr>
+          <p:cNvPr id="5" name="TextBox 4">
+            <a:extLst>
+              <a:ext uri="{FF2B5EF4-FFF2-40B4-BE49-F238E27FC236}">
+                <a16:creationId xmlns:a16="http://schemas.microsoft.com/office/drawing/2014/main" id="{2F5C54B9-3691-4F45-AC3F-89A7B25510D2}"/>
+              </a:ext>
+            </a:extLst>
+          </p:cNvPr>
+          <p:cNvSpPr txBox="1"/>
+          <p:nvPr/>
+        </p:nvSpPr>
+        <p:spPr>
+          <a:xfrm>
+            <a:off x="1495301" y="1869362"/>
+            <a:ext cx="734473" cy="400110"/>
+          </a:xfrm>
+          <a:prstGeom prst="rect">
+            <a:avLst/>
+          </a:prstGeom>
+          <a:noFill/>
+        </p:spPr>
+        <p:txBody>
+          <a:bodyPr wrap="square" rtlCol="0">
+            <a:spAutoFit/>
+          </a:bodyPr>
+          <a:lstStyle/>
+          <a:p>
+            <a:r>
+              <a:rPr lang="en-US" sz="2000" dirty="0"/>
+              <a:t>T + 1</a:t>
+            </a:r>
+            <a:endParaRPr lang="en-SG" sz="2000" dirty="0"/>
+          </a:p>
+        </p:txBody>
+      </p:sp>
+      <p:sp>
+        <p:nvSpPr>
+          <p:cNvPr id="9" name="Rectangle 8">
+            <a:extLst>
+              <a:ext uri="{FF2B5EF4-FFF2-40B4-BE49-F238E27FC236}">
+                <a16:creationId xmlns:a16="http://schemas.microsoft.com/office/drawing/2014/main" id="{B323ED1D-E8E7-4316-BCD9-B8AA57A9B723}"/>
+              </a:ext>
+            </a:extLst>
+          </p:cNvPr>
+          <p:cNvSpPr/>
+          <p:nvPr/>
+        </p:nvSpPr>
+        <p:spPr>
+          <a:xfrm>
+            <a:off x="3069256" y="2319924"/>
+            <a:ext cx="1036320" cy="670560"/>
+          </a:xfrm>
+          <a:prstGeom prst="rect">
+            <a:avLst/>
+          </a:prstGeom>
+          <a:solidFill>
+            <a:schemeClr val="accent1">
+              <a:alpha val="71000"/>
+            </a:schemeClr>
+          </a:solidFill>
+        </p:spPr>
+        <p:style>
+          <a:lnRef idx="2">
+            <a:schemeClr val="accent1">
+              <a:shade val="50000"/>
+            </a:schemeClr>
+          </a:lnRef>
+          <a:fillRef idx="1">
+            <a:schemeClr val="accent1"/>
+          </a:fillRef>
+          <a:effectRef idx="0">
+            <a:schemeClr val="accent1"/>
+          </a:effectRef>
+          <a:fontRef idx="minor">
+            <a:schemeClr val="lt1"/>
+          </a:fontRef>
+        </p:style>
+        <p:txBody>
+          <a:bodyPr rtlCol="0" anchor="ctr"/>
+          <a:lstStyle/>
+          <a:p>
+            <a:pPr algn="ctr"/>
+            <a:r>
+              <a:rPr lang="en-US" sz="2000" dirty="0">
+                <a:solidFill>
+                  <a:sysClr val="windowText" lastClr="000000"/>
+                </a:solidFill>
+              </a:rPr>
+              <a:t>x</a:t>
+            </a:r>
+            <a:endParaRPr lang="en-SG" sz="2000" dirty="0">
+              <a:solidFill>
+                <a:sysClr val="windowText" lastClr="000000"/>
+              </a:solidFill>
+            </a:endParaRPr>
+          </a:p>
+        </p:txBody>
+      </p:sp>
+      <p:sp>
+        <p:nvSpPr>
+          <p:cNvPr id="12" name="Rectangle 11">
+            <a:extLst>
+              <a:ext uri="{FF2B5EF4-FFF2-40B4-BE49-F238E27FC236}">
+                <a16:creationId xmlns:a16="http://schemas.microsoft.com/office/drawing/2014/main" id="{AD6305C1-90A7-42F2-BE99-4F064DB46633}"/>
+              </a:ext>
+            </a:extLst>
+          </p:cNvPr>
+          <p:cNvSpPr/>
+          <p:nvPr/>
+        </p:nvSpPr>
+        <p:spPr>
+          <a:xfrm>
+            <a:off x="4698611" y="2319924"/>
+            <a:ext cx="1036320" cy="670560"/>
+          </a:xfrm>
+          <a:prstGeom prst="rect">
+            <a:avLst/>
+          </a:prstGeom>
+          <a:solidFill>
+            <a:schemeClr val="accent1">
+              <a:alpha val="71000"/>
+            </a:schemeClr>
+          </a:solidFill>
+        </p:spPr>
+        <p:style>
+          <a:lnRef idx="2">
+            <a:schemeClr val="accent1">
+              <a:shade val="50000"/>
+            </a:schemeClr>
+          </a:lnRef>
+          <a:fillRef idx="1">
+            <a:schemeClr val="accent1"/>
+          </a:fillRef>
+          <a:effectRef idx="0">
+            <a:schemeClr val="accent1"/>
+          </a:effectRef>
+          <a:fontRef idx="minor">
+            <a:schemeClr val="lt1"/>
+          </a:fontRef>
+        </p:style>
+        <p:txBody>
+          <a:bodyPr rtlCol="0" anchor="ctr"/>
+          <a:lstStyle/>
+          <a:p>
+            <a:pPr algn="ctr"/>
+            <a:r>
+              <a:rPr lang="en-US" sz="2000" dirty="0">
+                <a:solidFill>
+                  <a:sysClr val="windowText" lastClr="000000"/>
+                </a:solidFill>
+              </a:rPr>
+              <a:t>x</a:t>
+            </a:r>
+            <a:endParaRPr lang="en-SG" sz="2000" dirty="0">
+              <a:solidFill>
+                <a:sysClr val="windowText" lastClr="000000"/>
+              </a:solidFill>
+            </a:endParaRPr>
+          </a:p>
+        </p:txBody>
+      </p:sp>
+      <p:sp>
+        <p:nvSpPr>
+          <p:cNvPr id="19" name="TextBox 18">
+            <a:extLst>
+              <a:ext uri="{FF2B5EF4-FFF2-40B4-BE49-F238E27FC236}">
+                <a16:creationId xmlns:a16="http://schemas.microsoft.com/office/drawing/2014/main" id="{D021F0EE-E1F9-43BF-8CB4-5F6CBBBCE874}"/>
+              </a:ext>
+            </a:extLst>
+          </p:cNvPr>
+          <p:cNvSpPr txBox="1"/>
+          <p:nvPr/>
+        </p:nvSpPr>
+        <p:spPr>
+          <a:xfrm>
+            <a:off x="1016267" y="3562573"/>
+            <a:ext cx="1701582" cy="923330"/>
+          </a:xfrm>
+          <a:prstGeom prst="rect">
+            <a:avLst/>
+          </a:prstGeom>
+          <a:noFill/>
+        </p:spPr>
+        <p:txBody>
+          <a:bodyPr wrap="square" rtlCol="0">
+            <a:spAutoFit/>
+          </a:bodyPr>
+          <a:lstStyle/>
+          <a:p>
+            <a:r>
+              <a:rPr lang="en-US" dirty="0"/>
+              <a:t>The first index of the listed is sliced away.</a:t>
+            </a:r>
+            <a:endParaRPr lang="en-SG" dirty="0"/>
+          </a:p>
+        </p:txBody>
+      </p:sp>
+      <p:sp>
+        <p:nvSpPr>
+          <p:cNvPr id="11" name="Rectangle 10">
+            <a:extLst>
+              <a:ext uri="{FF2B5EF4-FFF2-40B4-BE49-F238E27FC236}">
+                <a16:creationId xmlns:a16="http://schemas.microsoft.com/office/drawing/2014/main" id="{BAED068A-8616-45D8-9E7A-9549A2A3B0CE}"/>
+              </a:ext>
+            </a:extLst>
+          </p:cNvPr>
+          <p:cNvSpPr/>
+          <p:nvPr/>
+        </p:nvSpPr>
+        <p:spPr>
+          <a:xfrm>
+            <a:off x="6560842" y="2314249"/>
+            <a:ext cx="1036320" cy="670560"/>
+          </a:xfrm>
+          <a:prstGeom prst="rect">
+            <a:avLst/>
+          </a:prstGeom>
+          <a:solidFill>
+            <a:schemeClr val="accent1">
+              <a:alpha val="71000"/>
+            </a:schemeClr>
+          </a:solidFill>
+        </p:spPr>
+        <p:style>
+          <a:lnRef idx="2">
+            <a:schemeClr val="accent1">
+              <a:shade val="50000"/>
+            </a:schemeClr>
+          </a:lnRef>
+          <a:fillRef idx="1">
+            <a:schemeClr val="accent1"/>
+          </a:fillRef>
+          <a:effectRef idx="0">
+            <a:schemeClr val="accent1"/>
+          </a:effectRef>
+          <a:fontRef idx="minor">
+            <a:schemeClr val="lt1"/>
+          </a:fontRef>
+        </p:style>
+        <p:txBody>
+          <a:bodyPr rtlCol="0" anchor="ctr"/>
+          <a:lstStyle/>
+          <a:p>
+            <a:pPr algn="ctr"/>
+            <a:r>
+              <a:rPr lang="en-US" sz="2000" dirty="0">
+                <a:solidFill>
+                  <a:sysClr val="windowText" lastClr="000000"/>
+                </a:solidFill>
+              </a:rPr>
+              <a:t>x</a:t>
+            </a:r>
+            <a:endParaRPr lang="en-SG" sz="2000" dirty="0">
+              <a:solidFill>
+                <a:sysClr val="windowText" lastClr="000000"/>
+              </a:solidFill>
+            </a:endParaRPr>
+          </a:p>
+        </p:txBody>
+      </p:sp>
+      <p:cxnSp>
+        <p:nvCxnSpPr>
+          <p:cNvPr id="14" name="Straight Arrow Connector 13">
+            <a:extLst>
+              <a:ext uri="{FF2B5EF4-FFF2-40B4-BE49-F238E27FC236}">
+                <a16:creationId xmlns:a16="http://schemas.microsoft.com/office/drawing/2014/main" id="{8D7BA0B1-71C2-4358-B3E2-0BB591BE81BE}"/>
+              </a:ext>
+            </a:extLst>
+          </p:cNvPr>
+          <p:cNvCxnSpPr>
+            <a:cxnSpLocks/>
+            <a:stCxn id="11" idx="2"/>
+            <a:endCxn id="25" idx="0"/>
+          </p:cNvCxnSpPr>
+          <p:nvPr/>
+        </p:nvCxnSpPr>
+        <p:spPr>
+          <a:xfrm flipH="1">
+            <a:off x="7071629" y="2984809"/>
+            <a:ext cx="7373" cy="1197797"/>
+          </a:xfrm>
+          <a:prstGeom prst="straightConnector1">
+            <a:avLst/>
+          </a:prstGeom>
+          <a:ln>
+            <a:solidFill>
+              <a:schemeClr val="tx1"/>
+            </a:solidFill>
+            <a:tailEnd type="triangle"/>
+          </a:ln>
+        </p:spPr>
+        <p:style>
+          <a:lnRef idx="1">
+            <a:schemeClr val="accent1"/>
+          </a:lnRef>
+          <a:fillRef idx="0">
+            <a:schemeClr val="accent1"/>
+          </a:fillRef>
+          <a:effectRef idx="0">
+            <a:schemeClr val="accent1"/>
+          </a:effectRef>
+          <a:fontRef idx="minor">
+            <a:schemeClr val="tx1"/>
+          </a:fontRef>
+        </p:style>
+      </p:cxnSp>
+      <p:sp>
+        <p:nvSpPr>
+          <p:cNvPr id="16" name="TextBox 15">
+            <a:extLst>
+              <a:ext uri="{FF2B5EF4-FFF2-40B4-BE49-F238E27FC236}">
+                <a16:creationId xmlns:a16="http://schemas.microsoft.com/office/drawing/2014/main" id="{77152434-5454-46F7-80FC-C573EF7B57D2}"/>
+              </a:ext>
+            </a:extLst>
+          </p:cNvPr>
+          <p:cNvSpPr txBox="1"/>
+          <p:nvPr/>
+        </p:nvSpPr>
+        <p:spPr>
+          <a:xfrm>
+            <a:off x="3220179" y="1869362"/>
+            <a:ext cx="734473" cy="400110"/>
+          </a:xfrm>
+          <a:prstGeom prst="rect">
+            <a:avLst/>
+          </a:prstGeom>
+          <a:noFill/>
+        </p:spPr>
+        <p:txBody>
+          <a:bodyPr wrap="square" rtlCol="0">
+            <a:spAutoFit/>
+          </a:bodyPr>
+          <a:lstStyle/>
+          <a:p>
+            <a:r>
+              <a:rPr lang="en-US" sz="2000" dirty="0"/>
+              <a:t>T + 2</a:t>
+            </a:r>
+            <a:endParaRPr lang="en-SG" sz="2000" dirty="0"/>
+          </a:p>
+        </p:txBody>
+      </p:sp>
+      <p:sp>
+        <p:nvSpPr>
+          <p:cNvPr id="20" name="TextBox 19">
+            <a:extLst>
+              <a:ext uri="{FF2B5EF4-FFF2-40B4-BE49-F238E27FC236}">
+                <a16:creationId xmlns:a16="http://schemas.microsoft.com/office/drawing/2014/main" id="{4C2DB023-97F1-400C-9620-F5328FC0E3CB}"/>
+              </a:ext>
+            </a:extLst>
+          </p:cNvPr>
+          <p:cNvSpPr txBox="1"/>
+          <p:nvPr/>
+        </p:nvSpPr>
+        <p:spPr>
+          <a:xfrm>
+            <a:off x="4849534" y="1874565"/>
+            <a:ext cx="734473" cy="400110"/>
+          </a:xfrm>
+          <a:prstGeom prst="rect">
+            <a:avLst/>
+          </a:prstGeom>
+          <a:noFill/>
+        </p:spPr>
+        <p:txBody>
+          <a:bodyPr wrap="square" rtlCol="0">
+            <a:spAutoFit/>
+          </a:bodyPr>
+          <a:lstStyle/>
+          <a:p>
+            <a:r>
+              <a:rPr lang="en-US" sz="2000" dirty="0"/>
+              <a:t>T + 3</a:t>
+            </a:r>
+            <a:endParaRPr lang="en-SG" sz="2000" dirty="0"/>
+          </a:p>
+        </p:txBody>
+      </p:sp>
+      <p:sp>
+        <p:nvSpPr>
+          <p:cNvPr id="21" name="TextBox 20">
+            <a:extLst>
+              <a:ext uri="{FF2B5EF4-FFF2-40B4-BE49-F238E27FC236}">
+                <a16:creationId xmlns:a16="http://schemas.microsoft.com/office/drawing/2014/main" id="{BEDA2BD2-DEB5-499E-9999-2C0DC62A74A6}"/>
+              </a:ext>
+            </a:extLst>
+          </p:cNvPr>
+          <p:cNvSpPr txBox="1"/>
+          <p:nvPr/>
+        </p:nvSpPr>
+        <p:spPr>
+          <a:xfrm>
+            <a:off x="6711765" y="1879850"/>
+            <a:ext cx="734473" cy="400110"/>
+          </a:xfrm>
+          <a:prstGeom prst="rect">
+            <a:avLst/>
+          </a:prstGeom>
+          <a:noFill/>
+        </p:spPr>
+        <p:txBody>
+          <a:bodyPr wrap="square" rtlCol="0">
+            <a:spAutoFit/>
+          </a:bodyPr>
+          <a:lstStyle/>
+          <a:p>
+            <a:r>
+              <a:rPr lang="en-US" sz="2000" dirty="0"/>
+              <a:t>T + X</a:t>
+            </a:r>
+            <a:endParaRPr lang="en-SG" sz="2000" dirty="0"/>
+          </a:p>
+        </p:txBody>
+      </p:sp>
+      <p:cxnSp>
+        <p:nvCxnSpPr>
+          <p:cNvPr id="22" name="Straight Connector 21">
+            <a:extLst>
+              <a:ext uri="{FF2B5EF4-FFF2-40B4-BE49-F238E27FC236}">
+                <a16:creationId xmlns:a16="http://schemas.microsoft.com/office/drawing/2014/main" id="{1BA97BEA-78E9-456A-AFA3-BBB781E2D063}"/>
+              </a:ext>
+            </a:extLst>
+          </p:cNvPr>
+          <p:cNvCxnSpPr>
+            <a:cxnSpLocks/>
+            <a:stCxn id="12" idx="3"/>
+            <a:endCxn id="11" idx="1"/>
+          </p:cNvCxnSpPr>
+          <p:nvPr/>
+        </p:nvCxnSpPr>
+        <p:spPr>
+          <a:xfrm flipV="1">
+            <a:off x="5734931" y="2649529"/>
+            <a:ext cx="825911" cy="5675"/>
+          </a:xfrm>
+          <a:prstGeom prst="line">
+            <a:avLst/>
+          </a:prstGeom>
+          <a:ln>
+            <a:prstDash val="dash"/>
+          </a:ln>
+        </p:spPr>
+        <p:style>
+          <a:lnRef idx="1">
+            <a:schemeClr val="dk1"/>
+          </a:lnRef>
+          <a:fillRef idx="0">
+            <a:schemeClr val="dk1"/>
+          </a:fillRef>
+          <a:effectRef idx="0">
+            <a:schemeClr val="dk1"/>
+          </a:effectRef>
+          <a:fontRef idx="minor">
+            <a:schemeClr val="tx1"/>
+          </a:fontRef>
+        </p:style>
+      </p:cxnSp>
+      <p:cxnSp>
+        <p:nvCxnSpPr>
+          <p:cNvPr id="8" name="Straight Connector 7">
+            <a:extLst>
+              <a:ext uri="{FF2B5EF4-FFF2-40B4-BE49-F238E27FC236}">
+                <a16:creationId xmlns:a16="http://schemas.microsoft.com/office/drawing/2014/main" id="{ADAD9022-4052-4249-A2AA-9CBDAB2FB507}"/>
+              </a:ext>
+            </a:extLst>
+          </p:cNvPr>
+          <p:cNvCxnSpPr>
+            <a:stCxn id="4" idx="3"/>
+            <a:endCxn id="9" idx="1"/>
+          </p:cNvCxnSpPr>
+          <p:nvPr/>
+        </p:nvCxnSpPr>
+        <p:spPr>
+          <a:xfrm>
+            <a:off x="2366442" y="2655204"/>
+            <a:ext cx="702814" cy="0"/>
+          </a:xfrm>
+          <a:prstGeom prst="line">
+            <a:avLst/>
+          </a:prstGeom>
+        </p:spPr>
+        <p:style>
+          <a:lnRef idx="1">
+            <a:schemeClr val="dk1"/>
+          </a:lnRef>
+          <a:fillRef idx="0">
+            <a:schemeClr val="dk1"/>
+          </a:fillRef>
+          <a:effectRef idx="0">
+            <a:schemeClr val="dk1"/>
+          </a:effectRef>
+          <a:fontRef idx="minor">
+            <a:schemeClr val="tx1"/>
+          </a:fontRef>
+        </p:style>
+      </p:cxnSp>
+      <p:cxnSp>
+        <p:nvCxnSpPr>
+          <p:cNvPr id="23" name="Straight Connector 22">
+            <a:extLst>
+              <a:ext uri="{FF2B5EF4-FFF2-40B4-BE49-F238E27FC236}">
+                <a16:creationId xmlns:a16="http://schemas.microsoft.com/office/drawing/2014/main" id="{BD59FE81-E572-43BB-B10B-DE3EA68F1395}"/>
+              </a:ext>
+            </a:extLst>
+          </p:cNvPr>
+          <p:cNvCxnSpPr>
+            <a:cxnSpLocks/>
+            <a:stCxn id="9" idx="3"/>
+            <a:endCxn id="12" idx="1"/>
+          </p:cNvCxnSpPr>
+          <p:nvPr/>
+        </p:nvCxnSpPr>
+        <p:spPr>
+          <a:xfrm>
+            <a:off x="4105576" y="2655204"/>
+            <a:ext cx="593035" cy="0"/>
+          </a:xfrm>
+          <a:prstGeom prst="line">
+            <a:avLst/>
+          </a:prstGeom>
+        </p:spPr>
+        <p:style>
+          <a:lnRef idx="1">
+            <a:schemeClr val="dk1"/>
+          </a:lnRef>
+          <a:fillRef idx="0">
+            <a:schemeClr val="dk1"/>
+          </a:fillRef>
+          <a:effectRef idx="0">
+            <a:schemeClr val="dk1"/>
+          </a:effectRef>
+          <a:fontRef idx="minor">
+            <a:schemeClr val="tx1"/>
+          </a:fontRef>
+        </p:style>
+      </p:cxnSp>
+      <p:sp>
+        <p:nvSpPr>
+          <p:cNvPr id="25" name="Rectangle 24">
+            <a:extLst>
+              <a:ext uri="{FF2B5EF4-FFF2-40B4-BE49-F238E27FC236}">
+                <a16:creationId xmlns:a16="http://schemas.microsoft.com/office/drawing/2014/main" id="{E82CFFA9-A6EA-43BC-8D28-C2BDFA756E67}"/>
+              </a:ext>
+            </a:extLst>
+          </p:cNvPr>
+          <p:cNvSpPr/>
+          <p:nvPr/>
+        </p:nvSpPr>
+        <p:spPr>
+          <a:xfrm>
+            <a:off x="6553469" y="4182606"/>
+            <a:ext cx="1036320" cy="670560"/>
+          </a:xfrm>
+          <a:prstGeom prst="rect">
+            <a:avLst/>
+          </a:prstGeom>
+          <a:solidFill>
+            <a:schemeClr val="accent1">
+              <a:alpha val="71000"/>
+            </a:schemeClr>
+          </a:solidFill>
+        </p:spPr>
+        <p:style>
+          <a:lnRef idx="2">
+            <a:schemeClr val="accent1">
+              <a:shade val="50000"/>
+            </a:schemeClr>
+          </a:lnRef>
+          <a:fillRef idx="1">
+            <a:schemeClr val="accent1"/>
+          </a:fillRef>
+          <a:effectRef idx="0">
+            <a:schemeClr val="accent1"/>
+          </a:effectRef>
+          <a:fontRef idx="minor">
+            <a:schemeClr val="lt1"/>
+          </a:fontRef>
+        </p:style>
+        <p:txBody>
+          <a:bodyPr rtlCol="0" anchor="ctr"/>
+          <a:lstStyle/>
+          <a:p>
+            <a:pPr algn="ctr"/>
+            <a:r>
+              <a:rPr lang="en-US" sz="2000" dirty="0">
+                <a:solidFill>
+                  <a:sysClr val="windowText" lastClr="000000"/>
+                </a:solidFill>
+              </a:rPr>
+              <a:t>x</a:t>
+            </a:r>
+            <a:endParaRPr lang="en-SG" sz="2000" dirty="0">
+              <a:solidFill>
+                <a:sysClr val="windowText" lastClr="000000"/>
+              </a:solidFill>
+            </a:endParaRPr>
+          </a:p>
+        </p:txBody>
+      </p:sp>
+      <p:sp>
+        <p:nvSpPr>
+          <p:cNvPr id="29" name="TextBox 28">
+            <a:extLst>
+              <a:ext uri="{FF2B5EF4-FFF2-40B4-BE49-F238E27FC236}">
+                <a16:creationId xmlns:a16="http://schemas.microsoft.com/office/drawing/2014/main" id="{6F806917-6EB0-494D-98C5-3A64A38DC3E2}"/>
+              </a:ext>
+            </a:extLst>
+          </p:cNvPr>
+          <p:cNvSpPr txBox="1"/>
+          <p:nvPr/>
+        </p:nvSpPr>
+        <p:spPr>
+          <a:xfrm>
+            <a:off x="5289622" y="4064276"/>
+            <a:ext cx="1298256" cy="1015663"/>
+          </a:xfrm>
+          <a:prstGeom prst="rect">
+            <a:avLst/>
+          </a:prstGeom>
+          <a:noFill/>
+        </p:spPr>
+        <p:txBody>
+          <a:bodyPr wrap="square" rtlCol="0">
+            <a:spAutoFit/>
+          </a:bodyPr>
+          <a:lstStyle/>
+          <a:p>
+            <a:r>
+              <a:rPr lang="en-US" sz="2000" dirty="0"/>
+              <a:t>T + X + 1</a:t>
+            </a:r>
+            <a:br>
+              <a:rPr lang="en-US" sz="2000" dirty="0"/>
+            </a:br>
+            <a:r>
+              <a:rPr lang="en-US" sz="2000" dirty="0"/>
+              <a:t>Predicted Demand</a:t>
+            </a:r>
+            <a:endParaRPr lang="en-SG" sz="2000" dirty="0"/>
+          </a:p>
+        </p:txBody>
+      </p:sp>
+      <p:sp>
+        <p:nvSpPr>
+          <p:cNvPr id="30" name="Arrow: Bent-Up 29">
+            <a:extLst>
+              <a:ext uri="{FF2B5EF4-FFF2-40B4-BE49-F238E27FC236}">
+                <a16:creationId xmlns:a16="http://schemas.microsoft.com/office/drawing/2014/main" id="{EE51044A-4566-47B6-89B5-B09352FF6F1E}"/>
+              </a:ext>
+            </a:extLst>
+          </p:cNvPr>
+          <p:cNvSpPr/>
+          <p:nvPr/>
+        </p:nvSpPr>
+        <p:spPr>
+          <a:xfrm>
+            <a:off x="7589027" y="3018617"/>
+            <a:ext cx="1548501" cy="1533077"/>
+          </a:xfrm>
+          <a:prstGeom prst="bentUpArrow">
+            <a:avLst>
+              <a:gd name="adj1" fmla="val 6641"/>
+              <a:gd name="adj2" fmla="val 14801"/>
+              <a:gd name="adj3" fmla="val 29081"/>
+            </a:avLst>
+          </a:prstGeom>
+          <a:noFill/>
+          <a:ln>
+            <a:solidFill>
+              <a:schemeClr val="tx1"/>
+            </a:solidFill>
+          </a:ln>
+        </p:spPr>
+        <p:style>
+          <a:lnRef idx="2">
+            <a:schemeClr val="accent1">
+              <a:shade val="50000"/>
+            </a:schemeClr>
+          </a:lnRef>
+          <a:fillRef idx="1">
+            <a:schemeClr val="accent1"/>
+          </a:fillRef>
+          <a:effectRef idx="0">
+            <a:schemeClr val="accent1"/>
+          </a:effectRef>
+          <a:fontRef idx="minor">
+            <a:schemeClr val="lt1"/>
+          </a:fontRef>
+        </p:style>
+        <p:txBody>
+          <a:bodyPr rtlCol="0" anchor="ctr"/>
+          <a:lstStyle/>
+          <a:p>
+            <a:pPr algn="ctr"/>
+            <a:endParaRPr lang="en-SG"/>
+          </a:p>
+        </p:txBody>
+      </p:sp>
+      <p:sp>
+        <p:nvSpPr>
+          <p:cNvPr id="31" name="Multiplication Sign 30">
+            <a:extLst>
+              <a:ext uri="{FF2B5EF4-FFF2-40B4-BE49-F238E27FC236}">
+                <a16:creationId xmlns:a16="http://schemas.microsoft.com/office/drawing/2014/main" id="{37EA9F0B-B7C0-41DD-966A-807D244AF2EE}"/>
+              </a:ext>
+            </a:extLst>
+          </p:cNvPr>
+          <p:cNvSpPr/>
+          <p:nvPr/>
+        </p:nvSpPr>
+        <p:spPr>
+          <a:xfrm>
+            <a:off x="787402" y="1418038"/>
+            <a:ext cx="2090541" cy="2462981"/>
+          </a:xfrm>
+          <a:prstGeom prst="mathMultiply">
+            <a:avLst>
+              <a:gd name="adj1" fmla="val 4662"/>
+            </a:avLst>
+          </a:prstGeom>
+          <a:solidFill>
+            <a:srgbClr val="FF0000"/>
+          </a:solidFill>
+          <a:ln>
+            <a:solidFill>
+              <a:srgbClr val="FF0000"/>
+            </a:solidFill>
+          </a:ln>
+        </p:spPr>
+        <p:style>
+          <a:lnRef idx="2">
+            <a:schemeClr val="accent1">
+              <a:shade val="50000"/>
+            </a:schemeClr>
+          </a:lnRef>
+          <a:fillRef idx="1">
+            <a:schemeClr val="accent1"/>
+          </a:fillRef>
+          <a:effectRef idx="0">
+            <a:schemeClr val="accent1"/>
+          </a:effectRef>
+          <a:fontRef idx="minor">
+            <a:schemeClr val="lt1"/>
+          </a:fontRef>
+        </p:style>
+        <p:txBody>
+          <a:bodyPr rtlCol="0" anchor="ctr"/>
+          <a:lstStyle/>
+          <a:p>
+            <a:pPr algn="ctr"/>
+            <a:endParaRPr lang="en-SG"/>
+          </a:p>
+        </p:txBody>
+      </p:sp>
+      <p:sp>
+        <p:nvSpPr>
+          <p:cNvPr id="33" name="TextBox 32">
+            <a:extLst>
+              <a:ext uri="{FF2B5EF4-FFF2-40B4-BE49-F238E27FC236}">
+                <a16:creationId xmlns:a16="http://schemas.microsoft.com/office/drawing/2014/main" id="{51EDF567-1298-48DB-9F61-B9137DAD0EC7}"/>
+              </a:ext>
+            </a:extLst>
+          </p:cNvPr>
+          <p:cNvSpPr txBox="1"/>
+          <p:nvPr/>
+        </p:nvSpPr>
+        <p:spPr>
+          <a:xfrm>
+            <a:off x="9137528" y="3285574"/>
+            <a:ext cx="1996464" cy="1477328"/>
+          </a:xfrm>
+          <a:prstGeom prst="rect">
+            <a:avLst/>
+          </a:prstGeom>
+          <a:noFill/>
+        </p:spPr>
+        <p:txBody>
+          <a:bodyPr wrap="square" rtlCol="0">
+            <a:spAutoFit/>
+          </a:bodyPr>
+          <a:lstStyle/>
+          <a:p>
+            <a:r>
+              <a:rPr lang="en-US" dirty="0"/>
+              <a:t>The predicted demand is appended into the list to predict the next timestep.</a:t>
+            </a:r>
+            <a:endParaRPr lang="en-SG" dirty="0"/>
+          </a:p>
+        </p:txBody>
+      </p:sp>
+      <p:sp>
+        <p:nvSpPr>
+          <p:cNvPr id="34" name="Rectangle 33">
+            <a:extLst>
+              <a:ext uri="{FF2B5EF4-FFF2-40B4-BE49-F238E27FC236}">
+                <a16:creationId xmlns:a16="http://schemas.microsoft.com/office/drawing/2014/main" id="{DFD04FFA-D377-4AE0-BACD-62723159C688}"/>
+              </a:ext>
+            </a:extLst>
+          </p:cNvPr>
+          <p:cNvSpPr/>
+          <p:nvPr/>
+        </p:nvSpPr>
+        <p:spPr>
+          <a:xfrm>
+            <a:off x="8423073" y="2314248"/>
+            <a:ext cx="1036320" cy="670560"/>
+          </a:xfrm>
+          <a:prstGeom prst="rect">
+            <a:avLst/>
+          </a:prstGeom>
+          <a:solidFill>
+            <a:schemeClr val="accent1">
+              <a:alpha val="25000"/>
+            </a:schemeClr>
+          </a:solidFill>
+          <a:ln w="15875">
+            <a:solidFill>
+              <a:schemeClr val="accent1">
+                <a:shade val="50000"/>
+                <a:alpha val="97000"/>
+              </a:schemeClr>
+            </a:solidFill>
+            <a:prstDash val="sysDash"/>
+          </a:ln>
+        </p:spPr>
+        <p:style>
+          <a:lnRef idx="2">
+            <a:schemeClr val="accent1">
+              <a:shade val="50000"/>
+            </a:schemeClr>
+          </a:lnRef>
+          <a:fillRef idx="1">
+            <a:schemeClr val="accent1"/>
+          </a:fillRef>
+          <a:effectRef idx="0">
+            <a:schemeClr val="accent1"/>
+          </a:effectRef>
+          <a:fontRef idx="minor">
+            <a:schemeClr val="lt1"/>
+          </a:fontRef>
+        </p:style>
+        <p:txBody>
+          <a:bodyPr rtlCol="0" anchor="ctr"/>
+          <a:lstStyle/>
+          <a:p>
+            <a:pPr algn="ctr"/>
+            <a:r>
+              <a:rPr lang="en-US" sz="2000" dirty="0">
+                <a:solidFill>
+                  <a:sysClr val="windowText" lastClr="000000"/>
+                </a:solidFill>
+              </a:rPr>
+              <a:t>x</a:t>
+            </a:r>
+            <a:endParaRPr lang="en-SG" sz="2000" dirty="0">
+              <a:solidFill>
+                <a:sysClr val="windowText" lastClr="000000"/>
+              </a:solidFill>
+            </a:endParaRPr>
+          </a:p>
+        </p:txBody>
+      </p:sp>
+    </p:spTree>
+    <p:extLst>
+      <p:ext uri="{BB962C8B-B14F-4D97-AF65-F5344CB8AC3E}">
+        <p14:creationId xmlns:p14="http://schemas.microsoft.com/office/powerpoint/2010/main" val="1908757326"/>
+      </p:ext>
+    </p:extLst>
+  </p:cSld>
+  <p:clrMapOvr>
+    <a:masterClrMapping/>
+  </p:clrMapOvr>
+</p:sld>
+</file>
+
 <file path=ppt/theme/theme1.xml><?xml version="1.0" encoding="utf-8"?>
 <a:theme xmlns:a="http://schemas.openxmlformats.org/drawingml/2006/main" name="Office Theme">
   <a:themeElements>

--- a/images/model_architecture.pptx
+++ b/images/model_architecture.pptx
@@ -266,7 +266,7 @@
           <a:p>
             <a:fld id="{C458CF93-ED50-46E9-8CBB-73D3A2246EBD}" type="datetimeFigureOut">
               <a:rPr lang="en-SG" smtClean="0"/>
-              <a:t>14/6/2019</a:t>
+              <a:t>16/6/2019</a:t>
             </a:fld>
             <a:endParaRPr lang="en-SG"/>
           </a:p>
@@ -466,7 +466,7 @@
           <a:p>
             <a:fld id="{C458CF93-ED50-46E9-8CBB-73D3A2246EBD}" type="datetimeFigureOut">
               <a:rPr lang="en-SG" smtClean="0"/>
-              <a:t>14/6/2019</a:t>
+              <a:t>16/6/2019</a:t>
             </a:fld>
             <a:endParaRPr lang="en-SG"/>
           </a:p>
@@ -676,7 +676,7 @@
           <a:p>
             <a:fld id="{C458CF93-ED50-46E9-8CBB-73D3A2246EBD}" type="datetimeFigureOut">
               <a:rPr lang="en-SG" smtClean="0"/>
-              <a:t>14/6/2019</a:t>
+              <a:t>16/6/2019</a:t>
             </a:fld>
             <a:endParaRPr lang="en-SG"/>
           </a:p>
@@ -876,7 +876,7 @@
           <a:p>
             <a:fld id="{C458CF93-ED50-46E9-8CBB-73D3A2246EBD}" type="datetimeFigureOut">
               <a:rPr lang="en-SG" smtClean="0"/>
-              <a:t>14/6/2019</a:t>
+              <a:t>16/6/2019</a:t>
             </a:fld>
             <a:endParaRPr lang="en-SG"/>
           </a:p>
@@ -1152,7 +1152,7 @@
           <a:p>
             <a:fld id="{C458CF93-ED50-46E9-8CBB-73D3A2246EBD}" type="datetimeFigureOut">
               <a:rPr lang="en-SG" smtClean="0"/>
-              <a:t>14/6/2019</a:t>
+              <a:t>16/6/2019</a:t>
             </a:fld>
             <a:endParaRPr lang="en-SG"/>
           </a:p>
@@ -1420,7 +1420,7 @@
           <a:p>
             <a:fld id="{C458CF93-ED50-46E9-8CBB-73D3A2246EBD}" type="datetimeFigureOut">
               <a:rPr lang="en-SG" smtClean="0"/>
-              <a:t>14/6/2019</a:t>
+              <a:t>16/6/2019</a:t>
             </a:fld>
             <a:endParaRPr lang="en-SG"/>
           </a:p>
@@ -1835,7 +1835,7 @@
           <a:p>
             <a:fld id="{C458CF93-ED50-46E9-8CBB-73D3A2246EBD}" type="datetimeFigureOut">
               <a:rPr lang="en-SG" smtClean="0"/>
-              <a:t>14/6/2019</a:t>
+              <a:t>16/6/2019</a:t>
             </a:fld>
             <a:endParaRPr lang="en-SG"/>
           </a:p>
@@ -1977,7 +1977,7 @@
           <a:p>
             <a:fld id="{C458CF93-ED50-46E9-8CBB-73D3A2246EBD}" type="datetimeFigureOut">
               <a:rPr lang="en-SG" smtClean="0"/>
-              <a:t>14/6/2019</a:t>
+              <a:t>16/6/2019</a:t>
             </a:fld>
             <a:endParaRPr lang="en-SG"/>
           </a:p>
@@ -2090,7 +2090,7 @@
           <a:p>
             <a:fld id="{C458CF93-ED50-46E9-8CBB-73D3A2246EBD}" type="datetimeFigureOut">
               <a:rPr lang="en-SG" smtClean="0"/>
-              <a:t>14/6/2019</a:t>
+              <a:t>16/6/2019</a:t>
             </a:fld>
             <a:endParaRPr lang="en-SG"/>
           </a:p>
@@ -2403,7 +2403,7 @@
           <a:p>
             <a:fld id="{C458CF93-ED50-46E9-8CBB-73D3A2246EBD}" type="datetimeFigureOut">
               <a:rPr lang="en-SG" smtClean="0"/>
-              <a:t>14/6/2019</a:t>
+              <a:t>16/6/2019</a:t>
             </a:fld>
             <a:endParaRPr lang="en-SG"/>
           </a:p>
@@ -2692,7 +2692,7 @@
           <a:p>
             <a:fld id="{C458CF93-ED50-46E9-8CBB-73D3A2246EBD}" type="datetimeFigureOut">
               <a:rPr lang="en-SG" smtClean="0"/>
-              <a:t>14/6/2019</a:t>
+              <a:t>16/6/2019</a:t>
             </a:fld>
             <a:endParaRPr lang="en-SG"/>
           </a:p>
@@ -2935,7 +2935,7 @@
           <a:p>
             <a:fld id="{C458CF93-ED50-46E9-8CBB-73D3A2246EBD}" type="datetimeFigureOut">
               <a:rPr lang="en-SG" smtClean="0"/>
-              <a:t>14/6/2019</a:t>
+              <a:t>16/6/2019</a:t>
             </a:fld>
             <a:endParaRPr lang="en-SG"/>
           </a:p>
@@ -3936,7 +3936,7 @@
             </a:pPr>
             <a:r>
               <a:rPr lang="en-US" dirty="0"/>
-              <a:t> Convert the value for “Timestamp” into minutes and divide the value by 15mins as the interval between 2 timestamp is 15mins. Divide the new value by 190 so that the value is between [0,0.5].</a:t>
+              <a:t> Convert the value for “Timestamp” into minutes and divide the value by 15mins as the interval between 2 timestamp is 15mins. Divide the new value by 380 so that the value is between [0,0.25].</a:t>
             </a:r>
           </a:p>
           <a:p>
@@ -8113,7 +8113,7 @@
           <a:p>
             <a:r>
               <a:rPr lang="en-US" sz="2000" dirty="0"/>
-              <a:t>Initialize with a 25 x 5 tensor filled with 0.5 </a:t>
+              <a:t>Initialize with a 25 x 5 tensor filled with 0 </a:t>
             </a:r>
             <a:endParaRPr lang="en-SG" sz="2000" dirty="0"/>
           </a:p>

--- a/images/model_architecture.pptx
+++ b/images/model_architecture.pptx
@@ -266,7 +266,7 @@
           <a:p>
             <a:fld id="{C458CF93-ED50-46E9-8CBB-73D3A2246EBD}" type="datetimeFigureOut">
               <a:rPr lang="en-SG" smtClean="0"/>
-              <a:t>16/6/2019</a:t>
+              <a:t>14/6/2019</a:t>
             </a:fld>
             <a:endParaRPr lang="en-SG"/>
           </a:p>
@@ -466,7 +466,7 @@
           <a:p>
             <a:fld id="{C458CF93-ED50-46E9-8CBB-73D3A2246EBD}" type="datetimeFigureOut">
               <a:rPr lang="en-SG" smtClean="0"/>
-              <a:t>16/6/2019</a:t>
+              <a:t>14/6/2019</a:t>
             </a:fld>
             <a:endParaRPr lang="en-SG"/>
           </a:p>
@@ -676,7 +676,7 @@
           <a:p>
             <a:fld id="{C458CF93-ED50-46E9-8CBB-73D3A2246EBD}" type="datetimeFigureOut">
               <a:rPr lang="en-SG" smtClean="0"/>
-              <a:t>16/6/2019</a:t>
+              <a:t>14/6/2019</a:t>
             </a:fld>
             <a:endParaRPr lang="en-SG"/>
           </a:p>
@@ -876,7 +876,7 @@
           <a:p>
             <a:fld id="{C458CF93-ED50-46E9-8CBB-73D3A2246EBD}" type="datetimeFigureOut">
               <a:rPr lang="en-SG" smtClean="0"/>
-              <a:t>16/6/2019</a:t>
+              <a:t>14/6/2019</a:t>
             </a:fld>
             <a:endParaRPr lang="en-SG"/>
           </a:p>
@@ -1152,7 +1152,7 @@
           <a:p>
             <a:fld id="{C458CF93-ED50-46E9-8CBB-73D3A2246EBD}" type="datetimeFigureOut">
               <a:rPr lang="en-SG" smtClean="0"/>
-              <a:t>16/6/2019</a:t>
+              <a:t>14/6/2019</a:t>
             </a:fld>
             <a:endParaRPr lang="en-SG"/>
           </a:p>
@@ -1420,7 +1420,7 @@
           <a:p>
             <a:fld id="{C458CF93-ED50-46E9-8CBB-73D3A2246EBD}" type="datetimeFigureOut">
               <a:rPr lang="en-SG" smtClean="0"/>
-              <a:t>16/6/2019</a:t>
+              <a:t>14/6/2019</a:t>
             </a:fld>
             <a:endParaRPr lang="en-SG"/>
           </a:p>
@@ -1835,7 +1835,7 @@
           <a:p>
             <a:fld id="{C458CF93-ED50-46E9-8CBB-73D3A2246EBD}" type="datetimeFigureOut">
               <a:rPr lang="en-SG" smtClean="0"/>
-              <a:t>16/6/2019</a:t>
+              <a:t>14/6/2019</a:t>
             </a:fld>
             <a:endParaRPr lang="en-SG"/>
           </a:p>
@@ -1977,7 +1977,7 @@
           <a:p>
             <a:fld id="{C458CF93-ED50-46E9-8CBB-73D3A2246EBD}" type="datetimeFigureOut">
               <a:rPr lang="en-SG" smtClean="0"/>
-              <a:t>16/6/2019</a:t>
+              <a:t>14/6/2019</a:t>
             </a:fld>
             <a:endParaRPr lang="en-SG"/>
           </a:p>
@@ -2090,7 +2090,7 @@
           <a:p>
             <a:fld id="{C458CF93-ED50-46E9-8CBB-73D3A2246EBD}" type="datetimeFigureOut">
               <a:rPr lang="en-SG" smtClean="0"/>
-              <a:t>16/6/2019</a:t>
+              <a:t>14/6/2019</a:t>
             </a:fld>
             <a:endParaRPr lang="en-SG"/>
           </a:p>
@@ -2403,7 +2403,7 @@
           <a:p>
             <a:fld id="{C458CF93-ED50-46E9-8CBB-73D3A2246EBD}" type="datetimeFigureOut">
               <a:rPr lang="en-SG" smtClean="0"/>
-              <a:t>16/6/2019</a:t>
+              <a:t>14/6/2019</a:t>
             </a:fld>
             <a:endParaRPr lang="en-SG"/>
           </a:p>
@@ -2692,7 +2692,7 @@
           <a:p>
             <a:fld id="{C458CF93-ED50-46E9-8CBB-73D3A2246EBD}" type="datetimeFigureOut">
               <a:rPr lang="en-SG" smtClean="0"/>
-              <a:t>16/6/2019</a:t>
+              <a:t>14/6/2019</a:t>
             </a:fld>
             <a:endParaRPr lang="en-SG"/>
           </a:p>
@@ -2935,7 +2935,7 @@
           <a:p>
             <a:fld id="{C458CF93-ED50-46E9-8CBB-73D3A2246EBD}" type="datetimeFigureOut">
               <a:rPr lang="en-SG" smtClean="0"/>
-              <a:t>16/6/2019</a:t>
+              <a:t>14/6/2019</a:t>
             </a:fld>
             <a:endParaRPr lang="en-SG"/>
           </a:p>
@@ -3936,7 +3936,7 @@
             </a:pPr>
             <a:r>
               <a:rPr lang="en-US" dirty="0"/>
-              <a:t> Convert the value for “Timestamp” into minutes and divide the value by 15mins as the interval between 2 timestamp is 15mins. Divide the new value by 380 so that the value is between [0,0.25].</a:t>
+              <a:t> Convert the value for “Timestamp” into minutes and divide the value by 15mins as the interval between 2 timestamp is 15mins. Divide the new value by 190 so that the value is between [0,0.5].</a:t>
             </a:r>
           </a:p>
           <a:p>
@@ -8113,7 +8113,7 @@
           <a:p>
             <a:r>
               <a:rPr lang="en-US" sz="2000" dirty="0"/>
-              <a:t>Initialize with a 25 x 5 tensor filled with 0 </a:t>
+              <a:t>Initialize with a 25 x 5 tensor filled with 0.5 </a:t>
             </a:r>
             <a:endParaRPr lang="en-SG" sz="2000" dirty="0"/>
           </a:p>
